--- a/Hands-on Modules/1. Pre-Lab Work/1. Introduction.pptx
+++ b/Hands-on Modules/1. Pre-Lab Work/1. Introduction.pptx
@@ -762,7 +762,7 @@
           <a:p>
             <a:fld id="{35A2D088-BDBD-41A5-ADCE-5C6A4DC08057}" type="datetime8">
               <a:rPr lang="en-US" smtClean="0"/>
-              <a:t>2/27/2019 7:04 PM</a:t>
+              <a:t>2/27/2019 7:55 PM</a:t>
             </a:fld>
             <a:endParaRPr lang="en-US" dirty="0"/>
           </a:p>
@@ -1027,7 +1027,7 @@
           <a:p>
             <a:fld id="{35A2D088-BDBD-41A5-ADCE-5C6A4DC08057}" type="datetime8">
               <a:rPr lang="en-US" smtClean="0"/>
-              <a:t>2/27/2019 7:04 PM</a:t>
+              <a:t>2/27/2019 7:55 PM</a:t>
             </a:fld>
             <a:endParaRPr lang="en-US" dirty="0"/>
           </a:p>
@@ -1177,7 +1177,7 @@
                   <a:prstClr val="black"/>
                 </a:solidFill>
               </a:rPr>
-              <a:t>2/27/2019 7:04 PM</a:t>
+              <a:t>2/27/2019 7:55 PM</a:t>
             </a:fld>
             <a:endParaRPr lang="en-US" dirty="0">
               <a:solidFill>
@@ -14020,7 +14020,7 @@
             </a:pPr>
             <a:r>
               <a:rPr lang="en-US" sz="2400" dirty="0"/>
-              <a:t>Introduction to the Module</a:t>
+              <a:t>Introduction to the Pre-Lab Material</a:t>
             </a:r>
           </a:p>
         </p:txBody>
@@ -14120,7 +14120,7 @@
             <p:ph idx="1"/>
             <p:extLst>
               <p:ext uri="{D42A27DB-BD31-4B8C-83A1-F6EECF244321}">
-                <p14:modId xmlns:p14="http://schemas.microsoft.com/office/powerpoint/2010/main" val="699552592"/>
+                <p14:modId xmlns:p14="http://schemas.microsoft.com/office/powerpoint/2010/main" val="984346659"/>
               </p:ext>
             </p:extLst>
           </p:nvPr>
@@ -14200,7 +14200,10 @@
                     <a:bodyPr/>
                     <a:lstStyle/>
                     <a:p>
-                      <a:endParaRPr lang="en-US" sz="1200" dirty="0"/>
+                      <a:r>
+                        <a:rPr lang="en-US" sz="1200" dirty="0"/>
+                        <a:t>An overview of the required material is outlined in the following slide</a:t>
+                      </a:r>
                     </a:p>
                   </a:txBody>
                   <a:tcPr marL="90647" marR="90647" marT="45324" marB="45324" anchor="ctr"/>
@@ -14269,7 +14272,7 @@
           <a:lstStyle/>
           <a:p>
             <a:r>
-              <a:rPr lang="en-US" sz="1400" dirty="0"/>
+              <a:rPr lang="en-US" sz="2000" dirty="0"/>
               <a:t>The set of resources are ordered and grouped in a logical manner to assist in leading workshops or developing skills through self-paced materials.</a:t>
             </a:r>
           </a:p>
@@ -14315,6 +14318,322 @@
           </a:p>
         </p:txBody>
       </p:sp>
+      <p:graphicFrame>
+        <p:nvGraphicFramePr>
+          <p:cNvPr id="3" name="Table 2">
+            <a:extLst>
+              <a:ext uri="{FF2B5EF4-FFF2-40B4-BE49-F238E27FC236}">
+                <a16:creationId xmlns:a16="http://schemas.microsoft.com/office/drawing/2014/main" id="{AFEBF485-8265-425E-8531-6035E7F4D382}"/>
+              </a:ext>
+            </a:extLst>
+          </p:cNvPr>
+          <p:cNvGraphicFramePr>
+            <a:graphicFrameLocks noGrp="1"/>
+          </p:cNvGraphicFramePr>
+          <p:nvPr>
+            <p:extLst>
+              <p:ext uri="{D42A27DB-BD31-4B8C-83A1-F6EECF244321}">
+                <p14:modId xmlns:p14="http://schemas.microsoft.com/office/powerpoint/2010/main" val="1205986224"/>
+              </p:ext>
+            </p:extLst>
+          </p:nvPr>
+        </p:nvGraphicFramePr>
+        <p:xfrm>
+          <a:off x="2032000" y="2333138"/>
+          <a:ext cx="8128000" cy="3233166"/>
+        </p:xfrm>
+        <a:graphic>
+          <a:graphicData uri="http://schemas.openxmlformats.org/drawingml/2006/table">
+            <a:tbl>
+              <a:tblPr firstRow="1" bandRow="1">
+                <a:tableStyleId>{2D5ABB26-0587-4C30-8999-92F81FD0307C}</a:tableStyleId>
+              </a:tblPr>
+              <a:tblGrid>
+                <a:gridCol w="4064000">
+                  <a:extLst>
+                    <a:ext uri="{9D8B030D-6E8A-4147-A177-3AD203B41FA5}">
+                      <a16:colId xmlns:a16="http://schemas.microsoft.com/office/drawing/2014/main" val="3606999150"/>
+                    </a:ext>
+                  </a:extLst>
+                </a:gridCol>
+                <a:gridCol w="4064000">
+                  <a:extLst>
+                    <a:ext uri="{9D8B030D-6E8A-4147-A177-3AD203B41FA5}">
+                      <a16:colId xmlns:a16="http://schemas.microsoft.com/office/drawing/2014/main" val="2089083564"/>
+                    </a:ext>
+                  </a:extLst>
+                </a:gridCol>
+              </a:tblGrid>
+              <a:tr h="370840">
+                <a:tc>
+                  <a:txBody>
+                    <a:bodyPr/>
+                    <a:lstStyle/>
+                    <a:p>
+                      <a:pPr algn="ctr"/>
+                      <a:r>
+                        <a:rPr lang="en-US" dirty="0"/>
+                        <a:t>Data Sets</a:t>
+                      </a:r>
+                    </a:p>
+                  </a:txBody>
+                  <a:tcPr anchor="ctr">
+                    <a:lnR w="12700" cap="flat" cmpd="sng" algn="ctr">
+                      <a:solidFill>
+                        <a:schemeClr val="tx1"/>
+                      </a:solidFill>
+                      <a:prstDash val="solid"/>
+                      <a:round/>
+                      <a:headEnd type="none" w="med" len="med"/>
+                      <a:tailEnd type="none" w="med" len="med"/>
+                    </a:lnR>
+                    <a:lnB w="12700" cap="flat" cmpd="sng" algn="ctr">
+                      <a:solidFill>
+                        <a:schemeClr val="tx1"/>
+                      </a:solidFill>
+                      <a:prstDash val="solid"/>
+                      <a:round/>
+                      <a:headEnd type="none" w="med" len="med"/>
+                      <a:tailEnd type="none" w="med" len="med"/>
+                    </a:lnB>
+                  </a:tcPr>
+                </a:tc>
+                <a:tc>
+                  <a:txBody>
+                    <a:bodyPr/>
+                    <a:lstStyle/>
+                    <a:p>
+                      <a:r>
+                        <a:rPr lang="en-US" dirty="0"/>
+                        <a:t>Three methods of Data Sets are available for the Module to customize the to connect Power BI to data required for the data model</a:t>
+                      </a:r>
+                    </a:p>
+                    <a:p>
+                      <a:pPr marL="285750" indent="-285750">
+                        <a:buFont typeface="Arial" panose="020B0604020202020204" pitchFamily="34" charset="0"/>
+                        <a:buChar char="•"/>
+                      </a:pPr>
+                      <a:r>
+                        <a:rPr lang="en-US" dirty="0"/>
+                        <a:t>Excel</a:t>
+                      </a:r>
+                    </a:p>
+                    <a:p>
+                      <a:pPr marL="285750" indent="-285750">
+                        <a:buFont typeface="Arial" panose="020B0604020202020204" pitchFamily="34" charset="0"/>
+                        <a:buChar char="•"/>
+                      </a:pPr>
+                      <a:r>
+                        <a:rPr lang="en-US" dirty="0" err="1"/>
+                        <a:t>Bacpac</a:t>
+                      </a:r>
+                      <a:endParaRPr lang="en-US" dirty="0"/>
+                    </a:p>
+                    <a:p>
+                      <a:pPr marL="285750" indent="-285750">
+                        <a:buFont typeface="Arial" panose="020B0604020202020204" pitchFamily="34" charset="0"/>
+                        <a:buChar char="•"/>
+                      </a:pPr>
+                      <a:r>
+                        <a:rPr lang="en-US" dirty="0" err="1"/>
+                        <a:t>Dstx</a:t>
+                      </a:r>
+                      <a:endParaRPr lang="en-US" dirty="0"/>
+                    </a:p>
+                  </a:txBody>
+                  <a:tcPr anchor="ctr">
+                    <a:lnL w="12700" cap="flat" cmpd="sng" algn="ctr">
+                      <a:solidFill>
+                        <a:schemeClr val="tx1"/>
+                      </a:solidFill>
+                      <a:prstDash val="solid"/>
+                      <a:round/>
+                      <a:headEnd type="none" w="med" len="med"/>
+                      <a:tailEnd type="none" w="med" len="med"/>
+                    </a:lnL>
+                    <a:lnB w="12700" cap="flat" cmpd="sng" algn="ctr">
+                      <a:solidFill>
+                        <a:schemeClr val="tx1"/>
+                      </a:solidFill>
+                      <a:prstDash val="solid"/>
+                      <a:round/>
+                      <a:headEnd type="none" w="med" len="med"/>
+                      <a:tailEnd type="none" w="med" len="med"/>
+                    </a:lnB>
+                  </a:tcPr>
+                </a:tc>
+                <a:extLst>
+                  <a:ext uri="{0D108BD9-81ED-4DB2-BD59-A6C34878D82A}">
+                    <a16:rowId xmlns:a16="http://schemas.microsoft.com/office/drawing/2014/main" val="4020740005"/>
+                  </a:ext>
+                </a:extLst>
+              </a:tr>
+              <a:tr h="370840">
+                <a:tc>
+                  <a:txBody>
+                    <a:bodyPr/>
+                    <a:lstStyle/>
+                    <a:p>
+                      <a:pPr algn="ctr"/>
+                      <a:r>
+                        <a:rPr lang="en-US" dirty="0"/>
+                        <a:t>Workbooks</a:t>
+                      </a:r>
+                    </a:p>
+                  </a:txBody>
+                  <a:tcPr anchor="ctr">
+                    <a:lnR w="12700" cap="flat" cmpd="sng" algn="ctr">
+                      <a:solidFill>
+                        <a:schemeClr val="tx1"/>
+                      </a:solidFill>
+                      <a:prstDash val="solid"/>
+                      <a:round/>
+                      <a:headEnd type="none" w="med" len="med"/>
+                      <a:tailEnd type="none" w="med" len="med"/>
+                    </a:lnR>
+                    <a:lnT w="12700" cap="flat" cmpd="sng" algn="ctr">
+                      <a:solidFill>
+                        <a:schemeClr val="tx1"/>
+                      </a:solidFill>
+                      <a:prstDash val="solid"/>
+                      <a:round/>
+                      <a:headEnd type="none" w="med" len="med"/>
+                      <a:tailEnd type="none" w="med" len="med"/>
+                    </a:lnT>
+                    <a:lnB w="12700" cap="flat" cmpd="sng" algn="ctr">
+                      <a:solidFill>
+                        <a:schemeClr val="tx1"/>
+                      </a:solidFill>
+                      <a:prstDash val="solid"/>
+                      <a:round/>
+                      <a:headEnd type="none" w="med" len="med"/>
+                      <a:tailEnd type="none" w="med" len="med"/>
+                    </a:lnB>
+                  </a:tcPr>
+                </a:tc>
+                <a:tc>
+                  <a:txBody>
+                    <a:bodyPr/>
+                    <a:lstStyle/>
+                    <a:p>
+                      <a:r>
+                        <a:rPr lang="en-US" dirty="0"/>
+                        <a:t>Two Workbooks are attached as Power BI samples including visualizations</a:t>
+                      </a:r>
+                    </a:p>
+                  </a:txBody>
+                  <a:tcPr anchor="ctr">
+                    <a:lnL w="12700" cap="flat" cmpd="sng" algn="ctr">
+                      <a:solidFill>
+                        <a:schemeClr val="tx1"/>
+                      </a:solidFill>
+                      <a:prstDash val="solid"/>
+                      <a:round/>
+                      <a:headEnd type="none" w="med" len="med"/>
+                      <a:tailEnd type="none" w="med" len="med"/>
+                    </a:lnL>
+                    <a:lnT w="12700" cap="flat" cmpd="sng" algn="ctr">
+                      <a:solidFill>
+                        <a:schemeClr val="tx1"/>
+                      </a:solidFill>
+                      <a:prstDash val="solid"/>
+                      <a:round/>
+                      <a:headEnd type="none" w="med" len="med"/>
+                      <a:tailEnd type="none" w="med" len="med"/>
+                    </a:lnT>
+                    <a:lnB w="12700" cap="flat" cmpd="sng" algn="ctr">
+                      <a:solidFill>
+                        <a:schemeClr val="tx1"/>
+                      </a:solidFill>
+                      <a:prstDash val="solid"/>
+                      <a:round/>
+                      <a:headEnd type="none" w="med" len="med"/>
+                      <a:tailEnd type="none" w="med" len="med"/>
+                    </a:lnB>
+                  </a:tcPr>
+                </a:tc>
+                <a:extLst>
+                  <a:ext uri="{0D108BD9-81ED-4DB2-BD59-A6C34878D82A}">
+                    <a16:rowId xmlns:a16="http://schemas.microsoft.com/office/drawing/2014/main" val="1790459712"/>
+                  </a:ext>
+                </a:extLst>
+              </a:tr>
+              <a:tr h="370840">
+                <a:tc>
+                  <a:txBody>
+                    <a:bodyPr/>
+                    <a:lstStyle/>
+                    <a:p>
+                      <a:pPr algn="ctr"/>
+                      <a:r>
+                        <a:rPr lang="en-US" dirty="0"/>
+                        <a:t>Web App</a:t>
+                      </a:r>
+                    </a:p>
+                  </a:txBody>
+                  <a:tcPr anchor="ctr">
+                    <a:lnR w="12700" cap="flat" cmpd="sng" algn="ctr">
+                      <a:solidFill>
+                        <a:schemeClr val="tx1"/>
+                      </a:solidFill>
+                      <a:prstDash val="solid"/>
+                      <a:round/>
+                      <a:headEnd type="none" w="med" len="med"/>
+                      <a:tailEnd type="none" w="med" len="med"/>
+                    </a:lnR>
+                    <a:lnT w="12700" cap="flat" cmpd="sng" algn="ctr">
+                      <a:solidFill>
+                        <a:schemeClr val="tx1"/>
+                      </a:solidFill>
+                      <a:prstDash val="solid"/>
+                      <a:round/>
+                      <a:headEnd type="none" w="med" len="med"/>
+                      <a:tailEnd type="none" w="med" len="med"/>
+                    </a:lnT>
+                  </a:tcPr>
+                </a:tc>
+                <a:tc>
+                  <a:txBody>
+                    <a:bodyPr/>
+                    <a:lstStyle/>
+                    <a:p>
+                      <a:r>
+                        <a:rPr lang="en-US" dirty="0"/>
+                        <a:t>One Web App is available to use as an example to embed Power BI objects</a:t>
+                      </a:r>
+                    </a:p>
+                  </a:txBody>
+                  <a:tcPr anchor="ctr">
+                    <a:lnL w="12700" cap="flat" cmpd="sng" algn="ctr">
+                      <a:solidFill>
+                        <a:schemeClr val="tx1"/>
+                      </a:solidFill>
+                      <a:prstDash val="solid"/>
+                      <a:round/>
+                      <a:headEnd type="none" w="med" len="med"/>
+                      <a:tailEnd type="none" w="med" len="med"/>
+                    </a:lnL>
+                    <a:lnT w="12700" cap="flat" cmpd="sng" algn="ctr">
+                      <a:solidFill>
+                        <a:schemeClr val="tx1"/>
+                      </a:solidFill>
+                      <a:prstDash val="solid"/>
+                      <a:round/>
+                      <a:headEnd type="none" w="med" len="med"/>
+                      <a:tailEnd type="none" w="med" len="med"/>
+                    </a:lnT>
+                  </a:tcPr>
+                </a:tc>
+                <a:extLst>
+                  <a:ext uri="{0D108BD9-81ED-4DB2-BD59-A6C34878D82A}">
+                    <a16:rowId xmlns:a16="http://schemas.microsoft.com/office/drawing/2014/main" val="1074733179"/>
+                  </a:ext>
+                </a:extLst>
+              </a:tr>
+            </a:tbl>
+          </a:graphicData>
+        </a:graphic>
+      </p:graphicFrame>
     </p:spTree>
     <p:extLst>
       <p:ext uri="{BB962C8B-B14F-4D97-AF65-F5344CB8AC3E}">
@@ -15315,12 +15634,12 @@
 </file>
 
 <file path=customXml/item1.xml><?xml version="1.0" encoding="utf-8"?>
-<p:properties xmlns:p="http://schemas.microsoft.com/office/2006/metadata/properties" xmlns:xsi="http://www.w3.org/2001/XMLSchema-instance" xmlns:pc="http://schemas.microsoft.com/office/infopath/2007/PartnerControls">
-  <documentManagement>
-    <_ip_UnifiedCompliancePolicyUIAction xmlns="http://schemas.microsoft.com/sharepoint/v3" xsi:nil="true"/>
-    <_ip_UnifiedCompliancePolicyProperties xmlns="http://schemas.microsoft.com/sharepoint/v3" xsi:nil="true"/>
-  </documentManagement>
-</p:properties>
+<?mso-contentType ?>
+<FormTemplates xmlns="http://schemas.microsoft.com/sharepoint/v3/contenttype/forms">
+  <Display>DocumentLibraryForm</Display>
+  <Edit>DocumentLibraryForm</Edit>
+  <New>DocumentLibraryForm</New>
+</FormTemplates>
 </file>
 
 <file path=customXml/item2.xml><?xml version="1.0" encoding="utf-8"?>
@@ -15526,28 +15845,18 @@
 </file>
 
 <file path=customXml/item3.xml><?xml version="1.0" encoding="utf-8"?>
-<?mso-contentType ?>
-<FormTemplates xmlns="http://schemas.microsoft.com/sharepoint/v3/contenttype/forms">
-  <Display>DocumentLibraryForm</Display>
-  <Edit>DocumentLibraryForm</Edit>
-  <New>DocumentLibraryForm</New>
-</FormTemplates>
+<p:properties xmlns:p="http://schemas.microsoft.com/office/2006/metadata/properties" xmlns:xsi="http://www.w3.org/2001/XMLSchema-instance" xmlns:pc="http://schemas.microsoft.com/office/infopath/2007/PartnerControls">
+  <documentManagement>
+    <_ip_UnifiedCompliancePolicyUIAction xmlns="http://schemas.microsoft.com/sharepoint/v3" xsi:nil="true"/>
+    <_ip_UnifiedCompliancePolicyProperties xmlns="http://schemas.microsoft.com/sharepoint/v3" xsi:nil="true"/>
+  </documentManagement>
+</p:properties>
 </file>
 
 <file path=customXml/itemProps1.xml><?xml version="1.0" encoding="utf-8"?>
-<ds:datastoreItem xmlns:ds="http://schemas.openxmlformats.org/officeDocument/2006/customXml" ds:itemID="{BAF7D529-36AB-45DA-B239-2F912F2D1610}">
+<ds:datastoreItem xmlns:ds="http://schemas.openxmlformats.org/officeDocument/2006/customXml" ds:itemID="{F18501AF-04CF-4482-BAE1-607B49DDC378}">
   <ds:schemaRefs>
-    <ds:schemaRef ds:uri="http://schemas.microsoft.com/office/2006/metadata/properties"/>
-    <ds:schemaRef ds:uri="d9c797ad-d7c3-4982-82b7-81352a75e4a5"/>
-    <ds:schemaRef ds:uri="http://purl.org/dc/terms/"/>
-    <ds:schemaRef ds:uri="2023ac63-7b75-4916-a9ee-591457758eee"/>
-    <ds:schemaRef ds:uri="http://purl.org/dc/elements/1.1/"/>
-    <ds:schemaRef ds:uri="http://schemas.openxmlformats.org/package/2006/metadata/core-properties"/>
-    <ds:schemaRef ds:uri="http://purl.org/dc/dcmitype/"/>
-    <ds:schemaRef ds:uri="http://schemas.microsoft.com/office/2006/documentManagement/types"/>
-    <ds:schemaRef ds:uri="http://schemas.microsoft.com/office/infopath/2007/PartnerControls"/>
-    <ds:schemaRef ds:uri="http://schemas.microsoft.com/sharepoint/v3"/>
-    <ds:schemaRef ds:uri="http://www.w3.org/XML/1998/namespace"/>
+    <ds:schemaRef ds:uri="http://schemas.microsoft.com/sharepoint/v3/contenttype/forms"/>
   </ds:schemaRefs>
 </ds:datastoreItem>
 </file>
@@ -15573,9 +15882,19 @@
 </file>
 
 <file path=customXml/itemProps3.xml><?xml version="1.0" encoding="utf-8"?>
-<ds:datastoreItem xmlns:ds="http://schemas.openxmlformats.org/officeDocument/2006/customXml" ds:itemID="{F18501AF-04CF-4482-BAE1-607B49DDC378}">
+<ds:datastoreItem xmlns:ds="http://schemas.openxmlformats.org/officeDocument/2006/customXml" ds:itemID="{BAF7D529-36AB-45DA-B239-2F912F2D1610}">
   <ds:schemaRefs>
-    <ds:schemaRef ds:uri="http://schemas.microsoft.com/sharepoint/v3/contenttype/forms"/>
+    <ds:schemaRef ds:uri="http://schemas.microsoft.com/office/2006/metadata/properties"/>
+    <ds:schemaRef ds:uri="d9c797ad-d7c3-4982-82b7-81352a75e4a5"/>
+    <ds:schemaRef ds:uri="http://purl.org/dc/terms/"/>
+    <ds:schemaRef ds:uri="2023ac63-7b75-4916-a9ee-591457758eee"/>
+    <ds:schemaRef ds:uri="http://purl.org/dc/elements/1.1/"/>
+    <ds:schemaRef ds:uri="http://schemas.openxmlformats.org/package/2006/metadata/core-properties"/>
+    <ds:schemaRef ds:uri="http://purl.org/dc/dcmitype/"/>
+    <ds:schemaRef ds:uri="http://schemas.microsoft.com/office/2006/documentManagement/types"/>
+    <ds:schemaRef ds:uri="http://schemas.microsoft.com/office/infopath/2007/PartnerControls"/>
+    <ds:schemaRef ds:uri="http://schemas.microsoft.com/sharepoint/v3"/>
+    <ds:schemaRef ds:uri="http://www.w3.org/XML/1998/namespace"/>
   </ds:schemaRefs>
 </ds:datastoreItem>
 </file>